--- a/Rustic-Pages-master/ECrepot/BookCover/Book List.pptx
+++ b/Rustic-Pages-master/ECrepot/BookCover/Book List.pptx
@@ -115,6 +115,11 @@
       </a:defRPr>
     </a:lvl9pPr>
   </p:defaultTextStyle>
+  <p:extLst>
+    <p:ext uri="{EFAFB233-063F-42B5-8137-9DF3F51BA10A}">
+      <p15:sldGuideLst xmlns:p15="http://schemas.microsoft.com/office/powerpoint/2012/main"/>
+    </p:ext>
+  </p:extLst>
 </p:presentation>
 </file>
 
@@ -3786,7 +3791,7 @@
       </a:lvl9pPr>
     </p:otherStyle>
   </p:txStyles>
-  <p:extLst mod="1">
+  <p:extLst>
     <p:ext uri="{27BBF7A9-308A-43DC-89C8-2F10F3537804}">
       <p15:sldGuideLst xmlns:p15="http://schemas.microsoft.com/office/powerpoint/2012/main">
         <p15:guide id="3" orient="horz" pos="1368">
